--- a/PPTs/유니티_2주차_강의.pptx
+++ b/PPTs/유니티_2주차_강의.pptx
@@ -21,6 +21,7 @@
     <p:sldId id="268" r:id="rId15"/>
     <p:sldId id="267" r:id="rId16"/>
     <p:sldId id="273" r:id="rId17"/>
+    <p:sldId id="274" r:id="rId18"/>
   </p:sldIdLst>
   <p:sldSz cx="12192000" cy="6858000"/>
   <p:notesSz cx="6858000" cy="9144000"/>
@@ -119,19 +120,32 @@
       </a:defRPr>
     </a:lvl9pPr>
   </p:defaultTextStyle>
+  <p:extLst>
+    <p:ext uri="{EFAFB233-063F-42B5-8137-9DF3F51BA10A}">
+      <p15:sldGuideLst xmlns:p15="http://schemas.microsoft.com/office/powerpoint/2012/main"/>
+    </p:ext>
+  </p:extLst>
 </p:presentation>
-</file>
-
-<file path=ppt/revisionInfo.xml><?xml version="1.0" encoding="utf-8"?>
-<p1510:revInfo xmlns:a="http://schemas.openxmlformats.org/drawingml/2006/main" xmlns:r="http://schemas.openxmlformats.org/officeDocument/2006/relationships" xmlns:p1510="http://schemas.microsoft.com/office/powerpoint/2015/10/main">
-  <p1510:revLst>
-    <p1510:client id="{32D0AB78-5E72-4663-92AE-DF534C636553}" v="216" dt="2025-07-09T12:56:01.125"/>
-  </p1510:revLst>
-</p1510:revInfo>
 </file>
 
 <file path=ppt/changesInfos/changesInfo1.xml><?xml version="1.0" encoding="utf-8"?>
 <pc:chgInfo xmlns:a="http://schemas.openxmlformats.org/drawingml/2006/main" xmlns:r="http://schemas.openxmlformats.org/officeDocument/2006/relationships" xmlns:ac="http://schemas.microsoft.com/office/drawing/2013/main/command" xmlns:pc="http://schemas.microsoft.com/office/powerpoint/2013/main/command">
+  <pc:docChgLst>
+    <pc:chgData name="상천 김" userId="80ac9b7b8c01c4a9" providerId="LiveId" clId="{30503DE4-3CF2-400B-BB2A-9B05F2515C05}"/>
+    <pc:docChg chg="addSld">
+      <pc:chgData name="상천 김" userId="80ac9b7b8c01c4a9" providerId="LiveId" clId="{30503DE4-3CF2-400B-BB2A-9B05F2515C05}" dt="2025-07-13T23:56:50.440" v="0" actId="680"/>
+      <pc:docMkLst>
+        <pc:docMk/>
+      </pc:docMkLst>
+      <pc:sldChg chg="new">
+        <pc:chgData name="상천 김" userId="80ac9b7b8c01c4a9" providerId="LiveId" clId="{30503DE4-3CF2-400B-BB2A-9B05F2515C05}" dt="2025-07-13T23:56:50.440" v="0" actId="680"/>
+        <pc:sldMkLst>
+          <pc:docMk/>
+          <pc:sldMk cId="3585942474" sldId="274"/>
+        </pc:sldMkLst>
+      </pc:sldChg>
+    </pc:docChg>
+  </pc:docChgLst>
   <pc:docChgLst>
     <pc:chgData name="상천 김" userId="80ac9b7b8c01c4a9" providerId="LiveId" clId="{32D0AB78-5E72-4663-92AE-DF534C636553}"/>
     <pc:docChg chg="undo custSel addSld delSld modSld sldOrd">
@@ -145,22 +159,6 @@
           <pc:docMk/>
           <pc:sldMk cId="2340744184" sldId="257"/>
         </pc:sldMkLst>
-        <pc:spChg chg="del mod ord">
-          <ac:chgData name="상천 김" userId="80ac9b7b8c01c4a9" providerId="LiveId" clId="{32D0AB78-5E72-4663-92AE-DF534C636553}" dt="2025-07-09T10:08:39.008" v="1" actId="700"/>
-          <ac:spMkLst>
-            <pc:docMk/>
-            <pc:sldMk cId="2340744184" sldId="257"/>
-            <ac:spMk id="2" creationId="{FA75CFA5-E2FE-8253-488C-B8BCF86D72E2}"/>
-          </ac:spMkLst>
-        </pc:spChg>
-        <pc:spChg chg="del mod ord">
-          <ac:chgData name="상천 김" userId="80ac9b7b8c01c4a9" providerId="LiveId" clId="{32D0AB78-5E72-4663-92AE-DF534C636553}" dt="2025-07-09T10:08:39.008" v="1" actId="700"/>
-          <ac:spMkLst>
-            <pc:docMk/>
-            <pc:sldMk cId="2340744184" sldId="257"/>
-            <ac:spMk id="3" creationId="{864DD8A6-EC93-E360-3D71-C7DBFC36EF31}"/>
-          </ac:spMkLst>
-        </pc:spChg>
         <pc:spChg chg="add mod ord">
           <ac:chgData name="상천 김" userId="80ac9b7b8c01c4a9" providerId="LiveId" clId="{32D0AB78-5E72-4663-92AE-DF534C636553}" dt="2025-07-09T10:08:51.486" v="27" actId="20577"/>
           <ac:spMkLst>
@@ -184,44 +182,12 @@
           <pc:docMk/>
           <pc:sldMk cId="729157720" sldId="258"/>
         </pc:sldMkLst>
-        <pc:spChg chg="del">
-          <ac:chgData name="상천 김" userId="80ac9b7b8c01c4a9" providerId="LiveId" clId="{32D0AB78-5E72-4663-92AE-DF534C636553}" dt="2025-07-09T10:09:00.303" v="29" actId="478"/>
-          <ac:spMkLst>
-            <pc:docMk/>
-            <pc:sldMk cId="729157720" sldId="258"/>
-            <ac:spMk id="2" creationId="{A644F2B2-96B4-032C-70E0-72A526799540}"/>
-          </ac:spMkLst>
-        </pc:spChg>
-        <pc:spChg chg="del">
-          <ac:chgData name="상천 김" userId="80ac9b7b8c01c4a9" providerId="LiveId" clId="{32D0AB78-5E72-4663-92AE-DF534C636553}" dt="2025-07-09T10:09:00.303" v="29" actId="478"/>
-          <ac:spMkLst>
-            <pc:docMk/>
-            <pc:sldMk cId="729157720" sldId="258"/>
-            <ac:spMk id="3" creationId="{D10DE3CA-078B-993C-E44F-CA27CE287FA4}"/>
-          </ac:spMkLst>
-        </pc:spChg>
-        <pc:spChg chg="add del">
-          <ac:chgData name="상천 김" userId="80ac9b7b8c01c4a9" providerId="LiveId" clId="{32D0AB78-5E72-4663-92AE-DF534C636553}" dt="2025-07-09T10:09:24.119" v="32" actId="26606"/>
-          <ac:spMkLst>
-            <pc:docMk/>
-            <pc:sldMk cId="729157720" sldId="258"/>
-            <ac:spMk id="10" creationId="{42A4FC2C-047E-45A5-965D-8E1E3BF09BC6}"/>
-          </ac:spMkLst>
-        </pc:spChg>
         <pc:picChg chg="add mod">
           <ac:chgData name="상천 김" userId="80ac9b7b8c01c4a9" providerId="LiveId" clId="{32D0AB78-5E72-4663-92AE-DF534C636553}" dt="2025-07-09T10:10:37.579" v="35" actId="1076"/>
           <ac:picMkLst>
             <pc:docMk/>
             <pc:sldMk cId="729157720" sldId="258"/>
             <ac:picMk id="5" creationId="{5FFC5B42-35AF-0B89-2267-410EC66D89FF}"/>
-          </ac:picMkLst>
-        </pc:picChg>
-        <pc:picChg chg="add del mod">
-          <ac:chgData name="상천 김" userId="80ac9b7b8c01c4a9" providerId="LiveId" clId="{32D0AB78-5E72-4663-92AE-DF534C636553}" dt="2025-07-09T10:11:22.449" v="44" actId="478"/>
-          <ac:picMkLst>
-            <pc:docMk/>
-            <pc:sldMk cId="729157720" sldId="258"/>
-            <ac:picMk id="7" creationId="{ECE9CEBF-DFE9-9918-B8B3-C14482220339}"/>
           </ac:picMkLst>
         </pc:picChg>
         <pc:picChg chg="add mod">
@@ -240,14 +206,6 @@
             <ac:picMk id="12" creationId="{EA4655F3-35FE-4C16-9EB0-43180552EF03}"/>
           </ac:picMkLst>
         </pc:picChg>
-        <pc:picChg chg="add del mod">
-          <ac:chgData name="상천 김" userId="80ac9b7b8c01c4a9" providerId="LiveId" clId="{32D0AB78-5E72-4663-92AE-DF534C636553}" dt="2025-07-09T10:22:36.893" v="63" actId="21"/>
-          <ac:picMkLst>
-            <pc:docMk/>
-            <pc:sldMk cId="729157720" sldId="258"/>
-            <ac:picMk id="14" creationId="{EAF4A01F-2605-DDC4-FF74-B102577068AD}"/>
-          </ac:picMkLst>
-        </pc:picChg>
       </pc:sldChg>
       <pc:sldChg chg="new del">
         <pc:chgData name="상천 김" userId="80ac9b7b8c01c4a9" providerId="LiveId" clId="{32D0AB78-5E72-4663-92AE-DF534C636553}" dt="2025-07-09T10:13:51.366" v="52" actId="47"/>
@@ -262,22 +220,6 @@
           <pc:docMk/>
           <pc:sldMk cId="294195113" sldId="259"/>
         </pc:sldMkLst>
-        <pc:spChg chg="del">
-          <ac:chgData name="상천 김" userId="80ac9b7b8c01c4a9" providerId="LiveId" clId="{32D0AB78-5E72-4663-92AE-DF534C636553}" dt="2025-07-09T10:22:28.066" v="58" actId="478"/>
-          <ac:spMkLst>
-            <pc:docMk/>
-            <pc:sldMk cId="294195113" sldId="259"/>
-            <ac:spMk id="2" creationId="{80BF3CF7-EEB3-D3CF-BDA1-5736329DC2DC}"/>
-          </ac:spMkLst>
-        </pc:spChg>
-        <pc:spChg chg="del">
-          <ac:chgData name="상천 김" userId="80ac9b7b8c01c4a9" providerId="LiveId" clId="{32D0AB78-5E72-4663-92AE-DF534C636553}" dt="2025-07-09T10:22:28.066" v="58" actId="478"/>
-          <ac:spMkLst>
-            <pc:docMk/>
-            <pc:sldMk cId="294195113" sldId="259"/>
-            <ac:spMk id="3" creationId="{463DFD65-D578-48BF-66DA-6A4BAB969B2E}"/>
-          </ac:spMkLst>
-        </pc:spChg>
         <pc:spChg chg="add mod">
           <ac:chgData name="상천 김" userId="80ac9b7b8c01c4a9" providerId="LiveId" clId="{32D0AB78-5E72-4663-92AE-DF534C636553}" dt="2025-07-09T10:26:01.981" v="111" actId="1076"/>
           <ac:spMkLst>
@@ -333,22 +275,6 @@
           <pc:docMk/>
           <pc:sldMk cId="1533530393" sldId="260"/>
         </pc:sldMkLst>
-        <pc:spChg chg="del mod ord">
-          <ac:chgData name="상천 김" userId="80ac9b7b8c01c4a9" providerId="LiveId" clId="{32D0AB78-5E72-4663-92AE-DF534C636553}" dt="2025-07-09T11:41:26.797" v="150" actId="700"/>
-          <ac:spMkLst>
-            <pc:docMk/>
-            <pc:sldMk cId="1533530393" sldId="260"/>
-            <ac:spMk id="2" creationId="{45F678D8-106A-90FC-0790-7751BE5B7A1F}"/>
-          </ac:spMkLst>
-        </pc:spChg>
-        <pc:spChg chg="del mod ord">
-          <ac:chgData name="상천 김" userId="80ac9b7b8c01c4a9" providerId="LiveId" clId="{32D0AB78-5E72-4663-92AE-DF534C636553}" dt="2025-07-09T11:41:26.797" v="150" actId="700"/>
-          <ac:spMkLst>
-            <pc:docMk/>
-            <pc:sldMk cId="1533530393" sldId="260"/>
-            <ac:spMk id="3" creationId="{9AE94299-EDD8-789F-5E6A-AC8564B7E431}"/>
-          </ac:spMkLst>
-        </pc:spChg>
         <pc:spChg chg="add mod ord">
           <ac:chgData name="상천 김" userId="80ac9b7b8c01c4a9" providerId="LiveId" clId="{32D0AB78-5E72-4663-92AE-DF534C636553}" dt="2025-07-09T12:38:21.776" v="1598"/>
           <ac:spMkLst>
@@ -380,14 +306,6 @@
             <ac:spMk id="2" creationId="{8064CEC4-9433-BE92-7A3D-B52AFE75DE05}"/>
           </ac:spMkLst>
         </pc:spChg>
-        <pc:spChg chg="del">
-          <ac:chgData name="상천 김" userId="80ac9b7b8c01c4a9" providerId="LiveId" clId="{32D0AB78-5E72-4663-92AE-DF534C636553}" dt="2025-07-09T11:41:41.639" v="172" actId="478"/>
-          <ac:spMkLst>
-            <pc:docMk/>
-            <pc:sldMk cId="405940565" sldId="261"/>
-            <ac:spMk id="3" creationId="{3501DD1B-1F45-4F91-C428-275AF7D2E17A}"/>
-          </ac:spMkLst>
-        </pc:spChg>
         <pc:spChg chg="add mod">
           <ac:chgData name="상천 김" userId="80ac9b7b8c01c4a9" providerId="LiveId" clId="{32D0AB78-5E72-4663-92AE-DF534C636553}" dt="2025-07-09T11:54:45.422" v="296" actId="1076"/>
           <ac:spMkLst>
@@ -411,22 +329,6 @@
           <pc:docMk/>
           <pc:sldMk cId="1747334799" sldId="262"/>
         </pc:sldMkLst>
-        <pc:spChg chg="del mod">
-          <ac:chgData name="상천 김" userId="80ac9b7b8c01c4a9" providerId="LiveId" clId="{32D0AB78-5E72-4663-92AE-DF534C636553}" dt="2025-07-09T11:47:16.938" v="226" actId="478"/>
-          <ac:spMkLst>
-            <pc:docMk/>
-            <pc:sldMk cId="1747334799" sldId="262"/>
-            <ac:spMk id="2" creationId="{187D256D-D9B0-7830-BC47-86C92919641E}"/>
-          </ac:spMkLst>
-        </pc:spChg>
-        <pc:spChg chg="add del mod">
-          <ac:chgData name="상천 김" userId="80ac9b7b8c01c4a9" providerId="LiveId" clId="{32D0AB78-5E72-4663-92AE-DF534C636553}" dt="2025-07-09T11:47:20.108" v="227" actId="478"/>
-          <ac:spMkLst>
-            <pc:docMk/>
-            <pc:sldMk cId="1747334799" sldId="262"/>
-            <ac:spMk id="4" creationId="{40E92656-078F-0159-84F1-A58B326DEDC7}"/>
-          </ac:spMkLst>
-        </pc:spChg>
         <pc:spChg chg="add mod">
           <ac:chgData name="상천 김" userId="80ac9b7b8c01c4a9" providerId="LiveId" clId="{32D0AB78-5E72-4663-92AE-DF534C636553}" dt="2025-07-09T11:57:24.289" v="464" actId="13926"/>
           <ac:spMkLst>
@@ -435,14 +337,6 @@
             <ac:spMk id="9" creationId="{A7D33F18-182C-917A-89F3-5BC6ADE05B46}"/>
           </ac:spMkLst>
         </pc:spChg>
-        <pc:picChg chg="del mod">
-          <ac:chgData name="상천 김" userId="80ac9b7b8c01c4a9" providerId="LiveId" clId="{32D0AB78-5E72-4663-92AE-DF534C636553}" dt="2025-07-09T11:52:54.470" v="232" actId="478"/>
-          <ac:picMkLst>
-            <pc:docMk/>
-            <pc:sldMk cId="1747334799" sldId="262"/>
-            <ac:picMk id="1026" creationId="{0EA84280-C571-C09C-587D-A68CE56FC538}"/>
-          </ac:picMkLst>
-        </pc:picChg>
         <pc:picChg chg="add mod">
           <ac:chgData name="상천 김" userId="80ac9b7b8c01c4a9" providerId="LiveId" clId="{32D0AB78-5E72-4663-92AE-DF534C636553}" dt="2025-07-09T11:53:44.420" v="243" actId="1076"/>
           <ac:picMkLst>
@@ -490,22 +384,6 @@
             <ac:spMk id="2" creationId="{BA5155D0-0F68-135B-934C-74F6AAEBFFE4}"/>
           </ac:spMkLst>
         </pc:spChg>
-        <pc:spChg chg="del">
-          <ac:chgData name="상천 김" userId="80ac9b7b8c01c4a9" providerId="LiveId" clId="{32D0AB78-5E72-4663-92AE-DF534C636553}" dt="2025-07-09T11:59:39.875" v="489" actId="478"/>
-          <ac:spMkLst>
-            <pc:docMk/>
-            <pc:sldMk cId="2576506546" sldId="263"/>
-            <ac:spMk id="3" creationId="{E5B97F56-9EFE-153A-14FF-2359F912EDB8}"/>
-          </ac:spMkLst>
-        </pc:spChg>
-        <pc:spChg chg="add del mod">
-          <ac:chgData name="상천 김" userId="80ac9b7b8c01c4a9" providerId="LiveId" clId="{32D0AB78-5E72-4663-92AE-DF534C636553}" dt="2025-07-09T12:13:42.302" v="906" actId="478"/>
-          <ac:spMkLst>
-            <pc:docMk/>
-            <pc:sldMk cId="2576506546" sldId="263"/>
-            <ac:spMk id="18" creationId="{D6C490D1-2444-9CFC-3085-6925E37122DA}"/>
-          </ac:spMkLst>
-        </pc:spChg>
         <pc:spChg chg="add mod">
           <ac:chgData name="상천 김" userId="80ac9b7b8c01c4a9" providerId="LiveId" clId="{32D0AB78-5E72-4663-92AE-DF534C636553}" dt="2025-07-09T12:16:23.618" v="1003" actId="207"/>
           <ac:spMkLst>
@@ -514,46 +392,6 @@
             <ac:spMk id="24" creationId="{80C420C3-FFBF-1E2C-F4E0-281D6F2EEBF1}"/>
           </ac:spMkLst>
         </pc:spChg>
-        <pc:grpChg chg="add mod">
-          <ac:chgData name="상천 김" userId="80ac9b7b8c01c4a9" providerId="LiveId" clId="{32D0AB78-5E72-4663-92AE-DF534C636553}" dt="2025-07-09T12:42:35.769" v="1606"/>
-          <ac:grpSpMkLst>
-            <pc:docMk/>
-            <pc:sldMk cId="2576506546" sldId="263"/>
-            <ac:grpSpMk id="27" creationId="{56ED3415-5531-874E-5119-EB95F513D54F}"/>
-          </ac:grpSpMkLst>
-        </pc:grpChg>
-        <pc:picChg chg="add del mod">
-          <ac:chgData name="상천 김" userId="80ac9b7b8c01c4a9" providerId="LiveId" clId="{32D0AB78-5E72-4663-92AE-DF534C636553}" dt="2025-07-09T12:10:10.101" v="852" actId="478"/>
-          <ac:picMkLst>
-            <pc:docMk/>
-            <pc:sldMk cId="2576506546" sldId="263"/>
-            <ac:picMk id="4" creationId="{FE02EECB-F9E5-818E-5EFD-8EA4FA2E5E18}"/>
-          </ac:picMkLst>
-        </pc:picChg>
-        <pc:picChg chg="add del mod">
-          <ac:chgData name="상천 김" userId="80ac9b7b8c01c4a9" providerId="LiveId" clId="{32D0AB78-5E72-4663-92AE-DF534C636553}" dt="2025-07-09T12:12:10.416" v="876" actId="478"/>
-          <ac:picMkLst>
-            <pc:docMk/>
-            <pc:sldMk cId="2576506546" sldId="263"/>
-            <ac:picMk id="6" creationId="{FDC2B655-D506-14F8-B60F-8B81D0F036AF}"/>
-          </ac:picMkLst>
-        </pc:picChg>
-        <pc:picChg chg="add del mod">
-          <ac:chgData name="상천 김" userId="80ac9b7b8c01c4a9" providerId="LiveId" clId="{32D0AB78-5E72-4663-92AE-DF534C636553}" dt="2025-07-09T12:13:34.136" v="900" actId="478"/>
-          <ac:picMkLst>
-            <pc:docMk/>
-            <pc:sldMk cId="2576506546" sldId="263"/>
-            <ac:picMk id="17" creationId="{3A4C960B-753A-4CB1-2CBF-4D9277D76FA7}"/>
-          </ac:picMkLst>
-        </pc:picChg>
-        <pc:picChg chg="add del mod">
-          <ac:chgData name="상천 김" userId="80ac9b7b8c01c4a9" providerId="LiveId" clId="{32D0AB78-5E72-4663-92AE-DF534C636553}" dt="2025-07-09T12:14:09.338" v="919" actId="478"/>
-          <ac:picMkLst>
-            <pc:docMk/>
-            <pc:sldMk cId="2576506546" sldId="263"/>
-            <ac:picMk id="23" creationId="{EAB34C55-9B9B-C063-A808-0EB489C11CF2}"/>
-          </ac:picMkLst>
-        </pc:picChg>
         <pc:picChg chg="add mod">
           <ac:chgData name="상천 김" userId="80ac9b7b8c01c4a9" providerId="LiveId" clId="{32D0AB78-5E72-4663-92AE-DF534C636553}" dt="2025-07-09T12:14:18.874" v="927" actId="1076"/>
           <ac:picMkLst>
@@ -562,86 +400,6 @@
             <ac:picMk id="26" creationId="{6F324889-C23C-5DAD-2BEF-B3D461055BC7}"/>
           </ac:picMkLst>
         </pc:picChg>
-        <pc:picChg chg="mod">
-          <ac:chgData name="상천 김" userId="80ac9b7b8c01c4a9" providerId="LiveId" clId="{32D0AB78-5E72-4663-92AE-DF534C636553}" dt="2025-07-09T12:42:35.769" v="1606"/>
-          <ac:picMkLst>
-            <pc:docMk/>
-            <pc:sldMk cId="2576506546" sldId="263"/>
-            <ac:picMk id="28" creationId="{487667AC-A3D2-D1C6-ECE3-558C79A11A0C}"/>
-          </ac:picMkLst>
-        </pc:picChg>
-        <pc:picChg chg="add del mod">
-          <ac:chgData name="상천 김" userId="80ac9b7b8c01c4a9" providerId="LiveId" clId="{32D0AB78-5E72-4663-92AE-DF534C636553}" dt="2025-07-09T12:10:29.740" v="855" actId="478"/>
-          <ac:picMkLst>
-            <pc:docMk/>
-            <pc:sldMk cId="2576506546" sldId="263"/>
-            <ac:picMk id="6146" creationId="{0CA33824-B34A-9FC0-84E1-1C757CEA92D4}"/>
-          </ac:picMkLst>
-        </pc:picChg>
-        <pc:cxnChg chg="add del mod">
-          <ac:chgData name="상천 김" userId="80ac9b7b8c01c4a9" providerId="LiveId" clId="{32D0AB78-5E72-4663-92AE-DF534C636553}" dt="2025-07-09T12:12:13.528" v="877" actId="478"/>
-          <ac:cxnSpMkLst>
-            <pc:docMk/>
-            <pc:sldMk cId="2576506546" sldId="263"/>
-            <ac:cxnSpMk id="7" creationId="{586DFDE7-3951-9F44-7410-61B953639E5D}"/>
-          </ac:cxnSpMkLst>
-        </pc:cxnChg>
-        <pc:cxnChg chg="add del mod">
-          <ac:chgData name="상천 김" userId="80ac9b7b8c01c4a9" providerId="LiveId" clId="{32D0AB78-5E72-4663-92AE-DF534C636553}" dt="2025-07-09T12:12:13.528" v="877" actId="478"/>
-          <ac:cxnSpMkLst>
-            <pc:docMk/>
-            <pc:sldMk cId="2576506546" sldId="263"/>
-            <ac:cxnSpMk id="11" creationId="{3DCF5FA2-1579-A37A-6C17-072BD7CE1A22}"/>
-          </ac:cxnSpMkLst>
-        </pc:cxnChg>
-        <pc:cxnChg chg="add del mod">
-          <ac:chgData name="상천 김" userId="80ac9b7b8c01c4a9" providerId="LiveId" clId="{32D0AB78-5E72-4663-92AE-DF534C636553}" dt="2025-07-09T12:12:13.528" v="877" actId="478"/>
-          <ac:cxnSpMkLst>
-            <pc:docMk/>
-            <pc:sldMk cId="2576506546" sldId="263"/>
-            <ac:cxnSpMk id="15" creationId="{EA6EA325-5619-7E6D-0500-EF5408BBE107}"/>
-          </ac:cxnSpMkLst>
-        </pc:cxnChg>
-        <pc:cxnChg chg="add del mod">
-          <ac:chgData name="상천 김" userId="80ac9b7b8c01c4a9" providerId="LiveId" clId="{32D0AB78-5E72-4663-92AE-DF534C636553}" dt="2025-07-09T12:13:42.302" v="906" actId="478"/>
-          <ac:cxnSpMkLst>
-            <pc:docMk/>
-            <pc:sldMk cId="2576506546" sldId="263"/>
-            <ac:cxnSpMk id="19" creationId="{80A7EE27-1697-4CE0-31F6-EA3A5367A5CC}"/>
-          </ac:cxnSpMkLst>
-        </pc:cxnChg>
-        <pc:cxnChg chg="add del mod">
-          <ac:chgData name="상천 김" userId="80ac9b7b8c01c4a9" providerId="LiveId" clId="{32D0AB78-5E72-4663-92AE-DF534C636553}" dt="2025-07-09T12:13:42.302" v="906" actId="478"/>
-          <ac:cxnSpMkLst>
-            <pc:docMk/>
-            <pc:sldMk cId="2576506546" sldId="263"/>
-            <ac:cxnSpMk id="20" creationId="{95D23CB3-0E15-94C1-F1B0-E3868A074A90}"/>
-          </ac:cxnSpMkLst>
-        </pc:cxnChg>
-        <pc:cxnChg chg="add del mod">
-          <ac:chgData name="상천 김" userId="80ac9b7b8c01c4a9" providerId="LiveId" clId="{32D0AB78-5E72-4663-92AE-DF534C636553}" dt="2025-07-09T12:13:42.302" v="906" actId="478"/>
-          <ac:cxnSpMkLst>
-            <pc:docMk/>
-            <pc:sldMk cId="2576506546" sldId="263"/>
-            <ac:cxnSpMk id="21" creationId="{CCA64F17-4924-6421-839F-6BE493BC5F29}"/>
-          </ac:cxnSpMkLst>
-        </pc:cxnChg>
-        <pc:cxnChg chg="mod">
-          <ac:chgData name="상천 김" userId="80ac9b7b8c01c4a9" providerId="LiveId" clId="{32D0AB78-5E72-4663-92AE-DF534C636553}" dt="2025-07-09T12:42:35.769" v="1606"/>
-          <ac:cxnSpMkLst>
-            <pc:docMk/>
-            <pc:sldMk cId="2576506546" sldId="263"/>
-            <ac:cxnSpMk id="29" creationId="{93AC76F6-694B-014A-0377-57ABE4F3EE98}"/>
-          </ac:cxnSpMkLst>
-        </pc:cxnChg>
-        <pc:cxnChg chg="mod">
-          <ac:chgData name="상천 김" userId="80ac9b7b8c01c4a9" providerId="LiveId" clId="{32D0AB78-5E72-4663-92AE-DF534C636553}" dt="2025-07-09T12:42:35.769" v="1606"/>
-          <ac:cxnSpMkLst>
-            <pc:docMk/>
-            <pc:sldMk cId="2576506546" sldId="263"/>
-            <ac:cxnSpMk id="30" creationId="{DAA021CF-7655-03BA-B38E-82C8763CFF0A}"/>
-          </ac:cxnSpMkLst>
-        </pc:cxnChg>
       </pc:sldChg>
       <pc:sldChg chg="addSp modSp add mod">
         <pc:chgData name="상천 김" userId="80ac9b7b8c01c4a9" providerId="LiveId" clId="{32D0AB78-5E72-4663-92AE-DF534C636553}" dt="2025-07-09T12:04:31.566" v="656" actId="20577"/>
@@ -688,14 +446,6 @@
           <pc:docMk/>
           <pc:sldMk cId="2031720926" sldId="265"/>
         </pc:sldMkLst>
-        <pc:spChg chg="mod">
-          <ac:chgData name="상천 김" userId="80ac9b7b8c01c4a9" providerId="LiveId" clId="{32D0AB78-5E72-4663-92AE-DF534C636553}" dt="2025-07-09T12:04:40.426" v="662"/>
-          <ac:spMkLst>
-            <pc:docMk/>
-            <pc:sldMk cId="2031720926" sldId="265"/>
-            <ac:spMk id="2" creationId="{CDDEB1D5-BE42-D423-B9C5-E221546EAD0A}"/>
-          </ac:spMkLst>
-        </pc:spChg>
       </pc:sldChg>
       <pc:sldChg chg="addSp delSp modSp add mod ord">
         <pc:chgData name="상천 김" userId="80ac9b7b8c01c4a9" providerId="LiveId" clId="{32D0AB78-5E72-4663-92AE-DF534C636553}" dt="2025-07-09T12:48:22.323" v="1710"/>
@@ -711,22 +461,6 @@
             <ac:spMk id="2" creationId="{261A50FB-19FD-C518-A170-EC9D37D9C624}"/>
           </ac:spMkLst>
         </pc:spChg>
-        <pc:spChg chg="del mod">
-          <ac:chgData name="상천 김" userId="80ac9b7b8c01c4a9" providerId="LiveId" clId="{32D0AB78-5E72-4663-92AE-DF534C636553}" dt="2025-07-09T12:05:51.890" v="669" actId="478"/>
-          <ac:spMkLst>
-            <pc:docMk/>
-            <pc:sldMk cId="4057110897" sldId="265"/>
-            <ac:spMk id="3" creationId="{AA2AD683-197C-A2D5-06EB-1F16C09CEAE3}"/>
-          </ac:spMkLst>
-        </pc:spChg>
-        <pc:spChg chg="del">
-          <ac:chgData name="상천 김" userId="80ac9b7b8c01c4a9" providerId="LiveId" clId="{32D0AB78-5E72-4663-92AE-DF534C636553}" dt="2025-07-09T12:05:53.285" v="670" actId="478"/>
-          <ac:spMkLst>
-            <pc:docMk/>
-            <pc:sldMk cId="4057110897" sldId="265"/>
-            <ac:spMk id="4" creationId="{9D39D90A-9F52-6527-4A32-E55B424CA27B}"/>
-          </ac:spMkLst>
-        </pc:spChg>
         <pc:spChg chg="add mod">
           <ac:chgData name="상천 김" userId="80ac9b7b8c01c4a9" providerId="LiveId" clId="{32D0AB78-5E72-4663-92AE-DF534C636553}" dt="2025-07-09T12:48:22.323" v="1710"/>
           <ac:spMkLst>
@@ -735,14 +469,6 @@
             <ac:spMk id="5" creationId="{31237591-CE2E-96CF-0AFC-70215FDA47FC}"/>
           </ac:spMkLst>
         </pc:spChg>
-        <pc:picChg chg="del">
-          <ac:chgData name="상천 김" userId="80ac9b7b8c01c4a9" providerId="LiveId" clId="{32D0AB78-5E72-4663-92AE-DF534C636553}" dt="2025-07-09T12:05:48.119" v="667" actId="478"/>
-          <ac:picMkLst>
-            <pc:docMk/>
-            <pc:sldMk cId="4057110897" sldId="265"/>
-            <ac:picMk id="1026" creationId="{AEF3CF67-1442-48E3-B091-2321A2D9BD3D}"/>
-          </ac:picMkLst>
-        </pc:picChg>
         <pc:picChg chg="add mod">
           <ac:chgData name="상천 김" userId="80ac9b7b8c01c4a9" providerId="LiveId" clId="{32D0AB78-5E72-4663-92AE-DF534C636553}" dt="2025-07-09T12:06:19.295" v="677" actId="1076"/>
           <ac:picMkLst>
@@ -758,30 +484,6 @@
           <pc:docMk/>
           <pc:sldMk cId="3253813030" sldId="266"/>
         </pc:sldMkLst>
-        <pc:cxnChg chg="del">
-          <ac:chgData name="상천 김" userId="80ac9b7b8c01c4a9" providerId="LiveId" clId="{32D0AB78-5E72-4663-92AE-DF534C636553}" dt="2025-07-09T12:17:20.698" v="1004" actId="478"/>
-          <ac:cxnSpMkLst>
-            <pc:docMk/>
-            <pc:sldMk cId="3253813030" sldId="266"/>
-            <ac:cxnSpMk id="7" creationId="{71FFDAA5-C65D-1824-66B4-DE3BEBD51A57}"/>
-          </ac:cxnSpMkLst>
-        </pc:cxnChg>
-        <pc:cxnChg chg="del mod">
-          <ac:chgData name="상천 김" userId="80ac9b7b8c01c4a9" providerId="LiveId" clId="{32D0AB78-5E72-4663-92AE-DF534C636553}" dt="2025-07-09T12:17:20.698" v="1004" actId="478"/>
-          <ac:cxnSpMkLst>
-            <pc:docMk/>
-            <pc:sldMk cId="3253813030" sldId="266"/>
-            <ac:cxnSpMk id="11" creationId="{ABB2E49D-144F-DAC7-ACC1-1A708B0DDF4F}"/>
-          </ac:cxnSpMkLst>
-        </pc:cxnChg>
-        <pc:cxnChg chg="del mod">
-          <ac:chgData name="상천 김" userId="80ac9b7b8c01c4a9" providerId="LiveId" clId="{32D0AB78-5E72-4663-92AE-DF534C636553}" dt="2025-07-09T12:17:20.698" v="1004" actId="478"/>
-          <ac:cxnSpMkLst>
-            <pc:docMk/>
-            <pc:sldMk cId="3253813030" sldId="266"/>
-            <ac:cxnSpMk id="15" creationId="{6BB7728C-9F8B-0F52-FA47-8A2E1B893227}"/>
-          </ac:cxnSpMkLst>
-        </pc:cxnChg>
       </pc:sldChg>
       <pc:sldChg chg="add del">
         <pc:chgData name="상천 김" userId="80ac9b7b8c01c4a9" providerId="LiveId" clId="{32D0AB78-5E72-4663-92AE-DF534C636553}" dt="2025-07-09T12:09:25.803" v="849" actId="47"/>
@@ -828,14 +530,6 @@
             <ac:picMk id="4" creationId="{599903F3-ED96-DD6E-36B4-E1B477EB1419}"/>
           </ac:picMkLst>
         </pc:picChg>
-        <pc:picChg chg="del">
-          <ac:chgData name="상천 김" userId="80ac9b7b8c01c4a9" providerId="LiveId" clId="{32D0AB78-5E72-4663-92AE-DF534C636553}" dt="2025-07-09T12:18:06.001" v="1010" actId="478"/>
-          <ac:picMkLst>
-            <pc:docMk/>
-            <pc:sldMk cId="2889840355" sldId="267"/>
-            <ac:picMk id="26" creationId="{30AB2C4E-A7DE-7F10-BB0F-4475E1A87C27}"/>
-          </ac:picMkLst>
-        </pc:picChg>
         <pc:cxnChg chg="add mod">
           <ac:chgData name="상천 김" userId="80ac9b7b8c01c4a9" providerId="LiveId" clId="{32D0AB78-5E72-4663-92AE-DF534C636553}" dt="2025-07-09T12:34:58.053" v="1525" actId="164"/>
           <ac:cxnSpMkLst>
@@ -867,14 +561,6 @@
             <ac:spMk id="2" creationId="{C18281FA-85BE-45EA-74EC-F6A6B35C651A}"/>
           </ac:spMkLst>
         </pc:spChg>
-        <pc:spChg chg="del">
-          <ac:chgData name="상천 김" userId="80ac9b7b8c01c4a9" providerId="LiveId" clId="{32D0AB78-5E72-4663-92AE-DF534C636553}" dt="2025-07-09T12:24:55" v="1086"/>
-          <ac:spMkLst>
-            <pc:docMk/>
-            <pc:sldMk cId="435446585" sldId="268"/>
-            <ac:spMk id="3" creationId="{B7B31300-8C76-5D5D-82B2-0339FD65EB55}"/>
-          </ac:spMkLst>
-        </pc:spChg>
         <pc:spChg chg="add mod">
           <ac:chgData name="상천 김" userId="80ac9b7b8c01c4a9" providerId="LiveId" clId="{32D0AB78-5E72-4663-92AE-DF534C636553}" dt="2025-07-09T12:49:52.511" v="1788" actId="14100"/>
           <ac:spMkLst>
@@ -898,14 +584,6 @@
           <pc:docMk/>
           <pc:sldMk cId="1362191522" sldId="269"/>
         </pc:sldMkLst>
-        <pc:spChg chg="mod">
-          <ac:chgData name="상천 김" userId="80ac9b7b8c01c4a9" providerId="LiveId" clId="{32D0AB78-5E72-4663-92AE-DF534C636553}" dt="2025-07-09T12:36:42.264" v="1573" actId="20577"/>
-          <ac:spMkLst>
-            <pc:docMk/>
-            <pc:sldMk cId="1362191522" sldId="269"/>
-            <ac:spMk id="2" creationId="{0CC906C9-53B9-6363-96DC-73BBDF6C61C9}"/>
-          </ac:spMkLst>
-        </pc:spChg>
       </pc:sldChg>
       <pc:sldChg chg="new del">
         <pc:chgData name="상천 김" userId="80ac9b7b8c01c4a9" providerId="LiveId" clId="{32D0AB78-5E72-4663-92AE-DF534C636553}" dt="2025-07-09T12:38:07.293" v="1581" actId="47"/>
@@ -1018,14 +696,6 @@
             <pc:docMk/>
             <pc:sldMk cId="2270569528" sldId="273"/>
             <ac:spMk id="2" creationId="{732B76E0-AD8F-1B1B-26C3-44F72718F69C}"/>
-          </ac:spMkLst>
-        </pc:spChg>
-        <pc:spChg chg="del">
-          <ac:chgData name="상천 김" userId="80ac9b7b8c01c4a9" providerId="LiveId" clId="{32D0AB78-5E72-4663-92AE-DF534C636553}" dt="2025-07-09T12:56:01.125" v="2021"/>
-          <ac:spMkLst>
-            <pc:docMk/>
-            <pc:sldMk cId="2270569528" sldId="273"/>
-            <ac:spMk id="3" creationId="{11280CFC-64DB-C132-EC16-5EDD11E5D6A3}"/>
           </ac:spMkLst>
         </pc:spChg>
         <pc:picChg chg="add mod">
@@ -1469,7 +1139,7 @@
           <a:p>
             <a:fld id="{66AD7B35-3437-4A37-99C6-0165191BA9B3}" type="datetimeFigureOut">
               <a:rPr lang="ko-KR" altLang="en-US" smtClean="0"/>
-              <a:t>2025-07-09</a:t>
+              <a:t>2025-07-14</a:t>
             </a:fld>
             <a:endParaRPr lang="ko-KR" altLang="en-US"/>
           </a:p>
@@ -1667,7 +1337,7 @@
           <a:p>
             <a:fld id="{66AD7B35-3437-4A37-99C6-0165191BA9B3}" type="datetimeFigureOut">
               <a:rPr lang="ko-KR" altLang="en-US" smtClean="0"/>
-              <a:t>2025-07-09</a:t>
+              <a:t>2025-07-14</a:t>
             </a:fld>
             <a:endParaRPr lang="ko-KR" altLang="en-US"/>
           </a:p>
@@ -1875,7 +1545,7 @@
           <a:p>
             <a:fld id="{66AD7B35-3437-4A37-99C6-0165191BA9B3}" type="datetimeFigureOut">
               <a:rPr lang="ko-KR" altLang="en-US" smtClean="0"/>
-              <a:t>2025-07-09</a:t>
+              <a:t>2025-07-14</a:t>
             </a:fld>
             <a:endParaRPr lang="ko-KR" altLang="en-US"/>
           </a:p>
@@ -2073,7 +1743,7 @@
           <a:p>
             <a:fld id="{66AD7B35-3437-4A37-99C6-0165191BA9B3}" type="datetimeFigureOut">
               <a:rPr lang="ko-KR" altLang="en-US" smtClean="0"/>
-              <a:t>2025-07-09</a:t>
+              <a:t>2025-07-14</a:t>
             </a:fld>
             <a:endParaRPr lang="ko-KR" altLang="en-US"/>
           </a:p>
@@ -2348,7 +2018,7 @@
           <a:p>
             <a:fld id="{66AD7B35-3437-4A37-99C6-0165191BA9B3}" type="datetimeFigureOut">
               <a:rPr lang="ko-KR" altLang="en-US" smtClean="0"/>
-              <a:t>2025-07-09</a:t>
+              <a:t>2025-07-14</a:t>
             </a:fld>
             <a:endParaRPr lang="ko-KR" altLang="en-US"/>
           </a:p>
@@ -2613,7 +2283,7 @@
           <a:p>
             <a:fld id="{66AD7B35-3437-4A37-99C6-0165191BA9B3}" type="datetimeFigureOut">
               <a:rPr lang="ko-KR" altLang="en-US" smtClean="0"/>
-              <a:t>2025-07-09</a:t>
+              <a:t>2025-07-14</a:t>
             </a:fld>
             <a:endParaRPr lang="ko-KR" altLang="en-US"/>
           </a:p>
@@ -3025,7 +2695,7 @@
           <a:p>
             <a:fld id="{66AD7B35-3437-4A37-99C6-0165191BA9B3}" type="datetimeFigureOut">
               <a:rPr lang="ko-KR" altLang="en-US" smtClean="0"/>
-              <a:t>2025-07-09</a:t>
+              <a:t>2025-07-14</a:t>
             </a:fld>
             <a:endParaRPr lang="ko-KR" altLang="en-US"/>
           </a:p>
@@ -3166,7 +2836,7 @@
           <a:p>
             <a:fld id="{66AD7B35-3437-4A37-99C6-0165191BA9B3}" type="datetimeFigureOut">
               <a:rPr lang="ko-KR" altLang="en-US" smtClean="0"/>
-              <a:t>2025-07-09</a:t>
+              <a:t>2025-07-14</a:t>
             </a:fld>
             <a:endParaRPr lang="ko-KR" altLang="en-US"/>
           </a:p>
@@ -3279,7 +2949,7 @@
           <a:p>
             <a:fld id="{66AD7B35-3437-4A37-99C6-0165191BA9B3}" type="datetimeFigureOut">
               <a:rPr lang="ko-KR" altLang="en-US" smtClean="0"/>
-              <a:t>2025-07-09</a:t>
+              <a:t>2025-07-14</a:t>
             </a:fld>
             <a:endParaRPr lang="ko-KR" altLang="en-US"/>
           </a:p>
@@ -3590,7 +3260,7 @@
           <a:p>
             <a:fld id="{66AD7B35-3437-4A37-99C6-0165191BA9B3}" type="datetimeFigureOut">
               <a:rPr lang="ko-KR" altLang="en-US" smtClean="0"/>
-              <a:t>2025-07-09</a:t>
+              <a:t>2025-07-14</a:t>
             </a:fld>
             <a:endParaRPr lang="ko-KR" altLang="en-US"/>
           </a:p>
@@ -3878,7 +3548,7 @@
           <a:p>
             <a:fld id="{66AD7B35-3437-4A37-99C6-0165191BA9B3}" type="datetimeFigureOut">
               <a:rPr lang="ko-KR" altLang="en-US" smtClean="0"/>
-              <a:t>2025-07-09</a:t>
+              <a:t>2025-07-14</a:t>
             </a:fld>
             <a:endParaRPr lang="ko-KR" altLang="en-US"/>
           </a:p>
@@ -4119,7 +3789,7 @@
           <a:p>
             <a:fld id="{66AD7B35-3437-4A37-99C6-0165191BA9B3}" type="datetimeFigureOut">
               <a:rPr lang="ko-KR" altLang="en-US" smtClean="0"/>
-              <a:t>2025-07-09</a:t>
+              <a:t>2025-07-14</a:t>
             </a:fld>
             <a:endParaRPr lang="ko-KR" altLang="en-US"/>
           </a:p>
@@ -4586,8 +4256,8 @@
             <a:chExt cx="888480" cy="656640"/>
           </a:xfrm>
         </p:grpSpPr>
-        <mc:AlternateContent xmlns:mc="http://schemas.openxmlformats.org/markup-compatibility/2006">
-          <mc:Choice xmlns:p14="http://schemas.microsoft.com/office/powerpoint/2010/main" Requires="p14">
+        <mc:AlternateContent xmlns:mc="http://schemas.openxmlformats.org/markup-compatibility/2006" xmlns:p14="http://schemas.microsoft.com/office/powerpoint/2010/main">
+          <mc:Choice Requires="p14">
             <p:contentPart p14:bwMode="auto" r:id="rId3">
               <p14:nvContentPartPr>
                 <p14:cNvPr id="11" name="잉크 10">
@@ -4606,7 +4276,7 @@
               </p14:xfrm>
             </p:contentPart>
           </mc:Choice>
-          <mc:Fallback>
+          <mc:Fallback xmlns="">
             <p:pic>
               <p:nvPicPr>
                 <p:cNvPr id="11" name="잉크 10">
@@ -4637,8 +4307,8 @@
             </p:pic>
           </mc:Fallback>
         </mc:AlternateContent>
-        <mc:AlternateContent xmlns:mc="http://schemas.openxmlformats.org/markup-compatibility/2006">
-          <mc:Choice xmlns:p14="http://schemas.microsoft.com/office/powerpoint/2010/main" Requires="p14">
+        <mc:AlternateContent xmlns:mc="http://schemas.openxmlformats.org/markup-compatibility/2006" xmlns:p14="http://schemas.microsoft.com/office/powerpoint/2010/main">
+          <mc:Choice Requires="p14">
             <p:contentPart p14:bwMode="auto" r:id="rId5">
               <p14:nvContentPartPr>
                 <p14:cNvPr id="12" name="잉크 11">
@@ -4657,7 +4327,7 @@
               </p14:xfrm>
             </p:contentPart>
           </mc:Choice>
-          <mc:Fallback>
+          <mc:Fallback xmlns="">
             <p:pic>
               <p:nvPicPr>
                 <p:cNvPr id="12" name="잉크 11">
@@ -4709,8 +4379,8 @@
             <a:chExt cx="790920" cy="279720"/>
           </a:xfrm>
         </p:grpSpPr>
-        <mc:AlternateContent xmlns:mc="http://schemas.openxmlformats.org/markup-compatibility/2006">
-          <mc:Choice xmlns:p14="http://schemas.microsoft.com/office/powerpoint/2010/main" Requires="p14">
+        <mc:AlternateContent xmlns:mc="http://schemas.openxmlformats.org/markup-compatibility/2006" xmlns:p14="http://schemas.microsoft.com/office/powerpoint/2010/main">
+          <mc:Choice Requires="p14">
             <p:contentPart p14:bwMode="auto" r:id="rId7">
               <p14:nvContentPartPr>
                 <p14:cNvPr id="14" name="잉크 13">
@@ -4729,7 +4399,7 @@
               </p14:xfrm>
             </p:contentPart>
           </mc:Choice>
-          <mc:Fallback>
+          <mc:Fallback xmlns="">
             <p:pic>
               <p:nvPicPr>
                 <p:cNvPr id="14" name="잉크 13">
@@ -4760,8 +4430,8 @@
             </p:pic>
           </mc:Fallback>
         </mc:AlternateContent>
-        <mc:AlternateContent xmlns:mc="http://schemas.openxmlformats.org/markup-compatibility/2006">
-          <mc:Choice xmlns:p14="http://schemas.microsoft.com/office/powerpoint/2010/main" Requires="p14">
+        <mc:AlternateContent xmlns:mc="http://schemas.openxmlformats.org/markup-compatibility/2006" xmlns:p14="http://schemas.microsoft.com/office/powerpoint/2010/main">
+          <mc:Choice Requires="p14">
             <p:contentPart p14:bwMode="auto" r:id="rId9">
               <p14:nvContentPartPr>
                 <p14:cNvPr id="15" name="잉크 14">
@@ -4780,7 +4450,7 @@
               </p14:xfrm>
             </p:contentPart>
           </mc:Choice>
-          <mc:Fallback>
+          <mc:Fallback xmlns="">
             <p:pic>
               <p:nvPicPr>
                 <p:cNvPr id="15" name="잉크 14">
@@ -4811,8 +4481,8 @@
             </p:pic>
           </mc:Fallback>
         </mc:AlternateContent>
-        <mc:AlternateContent xmlns:mc="http://schemas.openxmlformats.org/markup-compatibility/2006">
-          <mc:Choice xmlns:p14="http://schemas.microsoft.com/office/powerpoint/2010/main" Requires="p14">
+        <mc:AlternateContent xmlns:mc="http://schemas.openxmlformats.org/markup-compatibility/2006" xmlns:p14="http://schemas.microsoft.com/office/powerpoint/2010/main">
+          <mc:Choice Requires="p14">
             <p:contentPart p14:bwMode="auto" r:id="rId11">
               <p14:nvContentPartPr>
                 <p14:cNvPr id="16" name="잉크 15">
@@ -4831,7 +4501,7 @@
               </p14:xfrm>
             </p:contentPart>
           </mc:Choice>
-          <mc:Fallback>
+          <mc:Fallback xmlns="">
             <p:pic>
               <p:nvPicPr>
                 <p:cNvPr id="16" name="잉크 15">
@@ -4893,8 +4563,8 @@
           </a:prstGeom>
         </p:spPr>
       </p:pic>
-      <mc:AlternateContent xmlns:mc="http://schemas.openxmlformats.org/markup-compatibility/2006">
-        <mc:Choice xmlns:p14="http://schemas.microsoft.com/office/powerpoint/2010/main" Requires="p14">
+      <mc:AlternateContent xmlns:mc="http://schemas.openxmlformats.org/markup-compatibility/2006" xmlns:p14="http://schemas.microsoft.com/office/powerpoint/2010/main">
+        <mc:Choice Requires="p14">
           <p:contentPart p14:bwMode="auto" r:id="rId13">
             <p14:nvContentPartPr>
               <p14:cNvPr id="20" name="잉크 19">
@@ -4913,7 +4583,7 @@
             </p14:xfrm>
           </p:contentPart>
         </mc:Choice>
-        <mc:Fallback>
+        <mc:Fallback xmlns="">
           <p:pic>
             <p:nvPicPr>
               <p:cNvPr id="20" name="잉크 19">
@@ -4944,8 +4614,8 @@
           </p:pic>
         </mc:Fallback>
       </mc:AlternateContent>
-      <mc:AlternateContent xmlns:mc="http://schemas.openxmlformats.org/markup-compatibility/2006">
-        <mc:Choice xmlns:p14="http://schemas.microsoft.com/office/powerpoint/2010/main" Requires="p14">
+      <mc:AlternateContent xmlns:mc="http://schemas.openxmlformats.org/markup-compatibility/2006" xmlns:p14="http://schemas.microsoft.com/office/powerpoint/2010/main">
+        <mc:Choice Requires="p14">
           <p:contentPart p14:bwMode="auto" r:id="rId15">
             <p14:nvContentPartPr>
               <p14:cNvPr id="23" name="잉크 22">
@@ -4964,7 +4634,7 @@
             </p14:xfrm>
           </p:contentPart>
         </mc:Choice>
-        <mc:Fallback>
+        <mc:Fallback xmlns="">
           <p:pic>
             <p:nvPicPr>
               <p:cNvPr id="23" name="잉크 22">
@@ -5015,8 +4685,8 @@
             <a:chExt cx="558720" cy="581040"/>
           </a:xfrm>
         </p:grpSpPr>
-        <mc:AlternateContent xmlns:mc="http://schemas.openxmlformats.org/markup-compatibility/2006">
-          <mc:Choice xmlns:p14="http://schemas.microsoft.com/office/powerpoint/2010/main" Requires="p14">
+        <mc:AlternateContent xmlns:mc="http://schemas.openxmlformats.org/markup-compatibility/2006" xmlns:p14="http://schemas.microsoft.com/office/powerpoint/2010/main">
+          <mc:Choice Requires="p14">
             <p:contentPart p14:bwMode="auto" r:id="rId17">
               <p14:nvContentPartPr>
                 <p14:cNvPr id="24" name="잉크 23">
@@ -5035,7 +4705,7 @@
               </p14:xfrm>
             </p:contentPart>
           </mc:Choice>
-          <mc:Fallback>
+          <mc:Fallback xmlns="">
             <p:pic>
               <p:nvPicPr>
                 <p:cNvPr id="24" name="잉크 23">
@@ -5066,8 +4736,8 @@
             </p:pic>
           </mc:Fallback>
         </mc:AlternateContent>
-        <mc:AlternateContent xmlns:mc="http://schemas.openxmlformats.org/markup-compatibility/2006">
-          <mc:Choice xmlns:p14="http://schemas.microsoft.com/office/powerpoint/2010/main" Requires="p14">
+        <mc:AlternateContent xmlns:mc="http://schemas.openxmlformats.org/markup-compatibility/2006" xmlns:p14="http://schemas.microsoft.com/office/powerpoint/2010/main">
+          <mc:Choice Requires="p14">
             <p:contentPart p14:bwMode="auto" r:id="rId19">
               <p14:nvContentPartPr>
                 <p14:cNvPr id="25" name="잉크 24">
@@ -5086,7 +4756,7 @@
               </p14:xfrm>
             </p:contentPart>
           </mc:Choice>
-          <mc:Fallback>
+          <mc:Fallback xmlns="">
             <p:pic>
               <p:nvPicPr>
                 <p:cNvPr id="25" name="잉크 24">
@@ -6893,6 +6563,86 @@
 </p:sld>
 </file>
 
+<file path=ppt/slides/slide17.xml><?xml version="1.0" encoding="utf-8"?>
+<p:sld xmlns:a="http://schemas.openxmlformats.org/drawingml/2006/main" xmlns:r="http://schemas.openxmlformats.org/officeDocument/2006/relationships" xmlns:p="http://schemas.openxmlformats.org/presentationml/2006/main">
+  <p:cSld>
+    <p:spTree>
+      <p:nvGrpSpPr>
+        <p:cNvPr id="1" name=""/>
+        <p:cNvGrpSpPr/>
+        <p:nvPr/>
+      </p:nvGrpSpPr>
+      <p:grpSpPr>
+        <a:xfrm>
+          <a:off x="0" y="0"/>
+          <a:ext cx="0" cy="0"/>
+          <a:chOff x="0" y="0"/>
+          <a:chExt cx="0" cy="0"/>
+        </a:xfrm>
+      </p:grpSpPr>
+      <p:sp>
+        <p:nvSpPr>
+          <p:cNvPr id="2" name="제목 1">
+            <a:extLst>
+              <a:ext uri="{FF2B5EF4-FFF2-40B4-BE49-F238E27FC236}">
+                <a16:creationId xmlns:a16="http://schemas.microsoft.com/office/drawing/2014/main" id="{8127A1E8-F219-50D0-487F-57E877F94DE1}"/>
+              </a:ext>
+            </a:extLst>
+          </p:cNvPr>
+          <p:cNvSpPr>
+            <a:spLocks noGrp="1"/>
+          </p:cNvSpPr>
+          <p:nvPr>
+            <p:ph type="title"/>
+          </p:nvPr>
+        </p:nvSpPr>
+        <p:spPr/>
+        <p:txBody>
+          <a:bodyPr/>
+          <a:lstStyle/>
+          <a:p>
+            <a:endParaRPr lang="ko-KR" altLang="en-US"/>
+          </a:p>
+        </p:txBody>
+      </p:sp>
+      <p:sp>
+        <p:nvSpPr>
+          <p:cNvPr id="3" name="내용 개체 틀 2">
+            <a:extLst>
+              <a:ext uri="{FF2B5EF4-FFF2-40B4-BE49-F238E27FC236}">
+                <a16:creationId xmlns:a16="http://schemas.microsoft.com/office/drawing/2014/main" id="{DDDDEE9C-60FB-2A0C-805D-1ED4C06F8F2A}"/>
+              </a:ext>
+            </a:extLst>
+          </p:cNvPr>
+          <p:cNvSpPr>
+            <a:spLocks noGrp="1"/>
+          </p:cNvSpPr>
+          <p:nvPr>
+            <p:ph idx="1"/>
+          </p:nvPr>
+        </p:nvSpPr>
+        <p:spPr/>
+        <p:txBody>
+          <a:bodyPr/>
+          <a:lstStyle/>
+          <a:p>
+            <a:endParaRPr lang="ko-KR" altLang="en-US"/>
+          </a:p>
+        </p:txBody>
+      </p:sp>
+    </p:spTree>
+    <p:extLst>
+      <p:ext uri="{BB962C8B-B14F-4D97-AF65-F5344CB8AC3E}">
+        <p14:creationId xmlns:p14="http://schemas.microsoft.com/office/powerpoint/2010/main" val="3585942474"/>
+      </p:ext>
+    </p:extLst>
+  </p:cSld>
+  <p:clrMapOvr>
+    <a:masterClrMapping/>
+  </p:clrMapOvr>
+</p:sld>
+</file>
+
 <file path=ppt/slides/slide2.xml><?xml version="1.0" encoding="utf-8"?>
 <p:sld xmlns:a="http://schemas.openxmlformats.org/drawingml/2006/main" xmlns:r="http://schemas.openxmlformats.org/officeDocument/2006/relationships" xmlns:p="http://schemas.openxmlformats.org/presentationml/2006/main">
   <p:cSld>
@@ -7270,8 +7020,8 @@
           </a:fontRef>
         </p:style>
       </p:cxnSp>
-      <mc:AlternateContent xmlns:mc="http://schemas.openxmlformats.org/markup-compatibility/2006">
-        <mc:Choice xmlns:p14="http://schemas.microsoft.com/office/powerpoint/2010/main" Requires="p14">
+      <mc:AlternateContent xmlns:mc="http://schemas.openxmlformats.org/markup-compatibility/2006" xmlns:p14="http://schemas.microsoft.com/office/powerpoint/2010/main">
+        <mc:Choice Requires="p14">
           <p:contentPart p14:bwMode="auto" r:id="rId5">
             <p14:nvContentPartPr>
               <p14:cNvPr id="8" name="잉크 7">
@@ -7290,7 +7040,7 @@
             </p14:xfrm>
           </p:contentPart>
         </mc:Choice>
-        <mc:Fallback>
+        <mc:Fallback xmlns="">
           <p:pic>
             <p:nvPicPr>
               <p:cNvPr id="8" name="잉크 7">
